--- a/论文笔记-吴显政（笔记本）.pptx
+++ b/论文笔记-吴显政（笔记本）.pptx
@@ -239,7 +239,7 @@
           <a:p>
             <a:fld id="{186E5BEA-5DC8-4045-A1F4-ECFA959A3378}" type="datetimeFigureOut">
               <a:rPr lang="zh-CN" altLang="en-US" smtClean="0"/>
-              <a:t>2018/9/5</a:t>
+              <a:t>2018/10/6</a:t>
             </a:fld>
             <a:endParaRPr lang="zh-CN" altLang="en-US"/>
           </a:p>
@@ -821,7 +821,7 @@
           <a:p>
             <a:fld id="{6545C1DB-9692-4D89-9440-F5C2B3A618B9}" type="datetimeFigureOut">
               <a:rPr lang="zh-CN" altLang="en-US" smtClean="0"/>
-              <a:t>2018/9/5</a:t>
+              <a:t>2018/10/6</a:t>
             </a:fld>
             <a:endParaRPr lang="zh-CN" altLang="en-US"/>
           </a:p>
@@ -1019,7 +1019,7 @@
           <a:p>
             <a:fld id="{6545C1DB-9692-4D89-9440-F5C2B3A618B9}" type="datetimeFigureOut">
               <a:rPr lang="zh-CN" altLang="en-US" smtClean="0"/>
-              <a:t>2018/9/5</a:t>
+              <a:t>2018/10/6</a:t>
             </a:fld>
             <a:endParaRPr lang="zh-CN" altLang="en-US"/>
           </a:p>
@@ -1227,7 +1227,7 @@
           <a:p>
             <a:fld id="{6545C1DB-9692-4D89-9440-F5C2B3A618B9}" type="datetimeFigureOut">
               <a:rPr lang="zh-CN" altLang="en-US" smtClean="0"/>
-              <a:t>2018/9/5</a:t>
+              <a:t>2018/10/6</a:t>
             </a:fld>
             <a:endParaRPr lang="zh-CN" altLang="en-US"/>
           </a:p>
@@ -1425,7 +1425,7 @@
           <a:p>
             <a:fld id="{6545C1DB-9692-4D89-9440-F5C2B3A618B9}" type="datetimeFigureOut">
               <a:rPr lang="zh-CN" altLang="en-US" smtClean="0"/>
-              <a:t>2018/9/5</a:t>
+              <a:t>2018/10/6</a:t>
             </a:fld>
             <a:endParaRPr lang="zh-CN" altLang="en-US"/>
           </a:p>
@@ -1700,7 +1700,7 @@
           <a:p>
             <a:fld id="{6545C1DB-9692-4D89-9440-F5C2B3A618B9}" type="datetimeFigureOut">
               <a:rPr lang="zh-CN" altLang="en-US" smtClean="0"/>
-              <a:t>2018/9/5</a:t>
+              <a:t>2018/10/6</a:t>
             </a:fld>
             <a:endParaRPr lang="zh-CN" altLang="en-US"/>
           </a:p>
@@ -1965,7 +1965,7 @@
           <a:p>
             <a:fld id="{6545C1DB-9692-4D89-9440-F5C2B3A618B9}" type="datetimeFigureOut">
               <a:rPr lang="zh-CN" altLang="en-US" smtClean="0"/>
-              <a:t>2018/9/5</a:t>
+              <a:t>2018/10/6</a:t>
             </a:fld>
             <a:endParaRPr lang="zh-CN" altLang="en-US"/>
           </a:p>
@@ -2377,7 +2377,7 @@
           <a:p>
             <a:fld id="{6545C1DB-9692-4D89-9440-F5C2B3A618B9}" type="datetimeFigureOut">
               <a:rPr lang="zh-CN" altLang="en-US" smtClean="0"/>
-              <a:t>2018/9/5</a:t>
+              <a:t>2018/10/6</a:t>
             </a:fld>
             <a:endParaRPr lang="zh-CN" altLang="en-US"/>
           </a:p>
@@ -2518,7 +2518,7 @@
           <a:p>
             <a:fld id="{6545C1DB-9692-4D89-9440-F5C2B3A618B9}" type="datetimeFigureOut">
               <a:rPr lang="zh-CN" altLang="en-US" smtClean="0"/>
-              <a:t>2018/9/5</a:t>
+              <a:t>2018/10/6</a:t>
             </a:fld>
             <a:endParaRPr lang="zh-CN" altLang="en-US"/>
           </a:p>
@@ -2631,7 +2631,7 @@
           <a:p>
             <a:fld id="{6545C1DB-9692-4D89-9440-F5C2B3A618B9}" type="datetimeFigureOut">
               <a:rPr lang="zh-CN" altLang="en-US" smtClean="0"/>
-              <a:t>2018/9/5</a:t>
+              <a:t>2018/10/6</a:t>
             </a:fld>
             <a:endParaRPr lang="zh-CN" altLang="en-US"/>
           </a:p>
@@ -2942,7 +2942,7 @@
           <a:p>
             <a:fld id="{6545C1DB-9692-4D89-9440-F5C2B3A618B9}" type="datetimeFigureOut">
               <a:rPr lang="zh-CN" altLang="en-US" smtClean="0"/>
-              <a:t>2018/9/5</a:t>
+              <a:t>2018/10/6</a:t>
             </a:fld>
             <a:endParaRPr lang="zh-CN" altLang="en-US"/>
           </a:p>
@@ -3230,7 +3230,7 @@
           <a:p>
             <a:fld id="{6545C1DB-9692-4D89-9440-F5C2B3A618B9}" type="datetimeFigureOut">
               <a:rPr lang="zh-CN" altLang="en-US" smtClean="0"/>
-              <a:t>2018/9/5</a:t>
+              <a:t>2018/10/6</a:t>
             </a:fld>
             <a:endParaRPr lang="zh-CN" altLang="en-US"/>
           </a:p>
@@ -3471,7 +3471,7 @@
           <a:p>
             <a:fld id="{6545C1DB-9692-4D89-9440-F5C2B3A618B9}" type="datetimeFigureOut">
               <a:rPr lang="zh-CN" altLang="en-US" smtClean="0"/>
-              <a:t>2018/9/5</a:t>
+              <a:t>2018/10/6</a:t>
             </a:fld>
             <a:endParaRPr lang="zh-CN" altLang="en-US"/>
           </a:p>
@@ -11821,7 +11821,7 @@
             </a:r>
             <a:r>
               <a:rPr lang="en-US" altLang="zh-CN" dirty="0"/>
-              <a:t>7×7×4096</a:t>
+              <a:t>7×7×512</a:t>
             </a:r>
             <a:br>
               <a:rPr lang="en-US" altLang="zh-CN" dirty="0"/>

--- a/论文笔记-吴显政（笔记本）.pptx
+++ b/论文笔记-吴显政（笔记本）.pptx
@@ -239,7 +239,7 @@
           <a:p>
             <a:fld id="{186E5BEA-5DC8-4045-A1F4-ECFA959A3378}" type="datetimeFigureOut">
               <a:rPr lang="zh-CN" altLang="en-US" smtClean="0"/>
-              <a:t>2018/10/6</a:t>
+              <a:t>2018/10/7</a:t>
             </a:fld>
             <a:endParaRPr lang="zh-CN" altLang="en-US"/>
           </a:p>
@@ -821,7 +821,7 @@
           <a:p>
             <a:fld id="{6545C1DB-9692-4D89-9440-F5C2B3A618B9}" type="datetimeFigureOut">
               <a:rPr lang="zh-CN" altLang="en-US" smtClean="0"/>
-              <a:t>2018/10/6</a:t>
+              <a:t>2018/10/7</a:t>
             </a:fld>
             <a:endParaRPr lang="zh-CN" altLang="en-US"/>
           </a:p>
@@ -1019,7 +1019,7 @@
           <a:p>
             <a:fld id="{6545C1DB-9692-4D89-9440-F5C2B3A618B9}" type="datetimeFigureOut">
               <a:rPr lang="zh-CN" altLang="en-US" smtClean="0"/>
-              <a:t>2018/10/6</a:t>
+              <a:t>2018/10/7</a:t>
             </a:fld>
             <a:endParaRPr lang="zh-CN" altLang="en-US"/>
           </a:p>
@@ -1227,7 +1227,7 @@
           <a:p>
             <a:fld id="{6545C1DB-9692-4D89-9440-F5C2B3A618B9}" type="datetimeFigureOut">
               <a:rPr lang="zh-CN" altLang="en-US" smtClean="0"/>
-              <a:t>2018/10/6</a:t>
+              <a:t>2018/10/7</a:t>
             </a:fld>
             <a:endParaRPr lang="zh-CN" altLang="en-US"/>
           </a:p>
@@ -1425,7 +1425,7 @@
           <a:p>
             <a:fld id="{6545C1DB-9692-4D89-9440-F5C2B3A618B9}" type="datetimeFigureOut">
               <a:rPr lang="zh-CN" altLang="en-US" smtClean="0"/>
-              <a:t>2018/10/6</a:t>
+              <a:t>2018/10/7</a:t>
             </a:fld>
             <a:endParaRPr lang="zh-CN" altLang="en-US"/>
           </a:p>
@@ -1700,7 +1700,7 @@
           <a:p>
             <a:fld id="{6545C1DB-9692-4D89-9440-F5C2B3A618B9}" type="datetimeFigureOut">
               <a:rPr lang="zh-CN" altLang="en-US" smtClean="0"/>
-              <a:t>2018/10/6</a:t>
+              <a:t>2018/10/7</a:t>
             </a:fld>
             <a:endParaRPr lang="zh-CN" altLang="en-US"/>
           </a:p>
@@ -1965,7 +1965,7 @@
           <a:p>
             <a:fld id="{6545C1DB-9692-4D89-9440-F5C2B3A618B9}" type="datetimeFigureOut">
               <a:rPr lang="zh-CN" altLang="en-US" smtClean="0"/>
-              <a:t>2018/10/6</a:t>
+              <a:t>2018/10/7</a:t>
             </a:fld>
             <a:endParaRPr lang="zh-CN" altLang="en-US"/>
           </a:p>
@@ -2377,7 +2377,7 @@
           <a:p>
             <a:fld id="{6545C1DB-9692-4D89-9440-F5C2B3A618B9}" type="datetimeFigureOut">
               <a:rPr lang="zh-CN" altLang="en-US" smtClean="0"/>
-              <a:t>2018/10/6</a:t>
+              <a:t>2018/10/7</a:t>
             </a:fld>
             <a:endParaRPr lang="zh-CN" altLang="en-US"/>
           </a:p>
@@ -2518,7 +2518,7 @@
           <a:p>
             <a:fld id="{6545C1DB-9692-4D89-9440-F5C2B3A618B9}" type="datetimeFigureOut">
               <a:rPr lang="zh-CN" altLang="en-US" smtClean="0"/>
-              <a:t>2018/10/6</a:t>
+              <a:t>2018/10/7</a:t>
             </a:fld>
             <a:endParaRPr lang="zh-CN" altLang="en-US"/>
           </a:p>
@@ -2631,7 +2631,7 @@
           <a:p>
             <a:fld id="{6545C1DB-9692-4D89-9440-F5C2B3A618B9}" type="datetimeFigureOut">
               <a:rPr lang="zh-CN" altLang="en-US" smtClean="0"/>
-              <a:t>2018/10/6</a:t>
+              <a:t>2018/10/7</a:t>
             </a:fld>
             <a:endParaRPr lang="zh-CN" altLang="en-US"/>
           </a:p>
@@ -2942,7 +2942,7 @@
           <a:p>
             <a:fld id="{6545C1DB-9692-4D89-9440-F5C2B3A618B9}" type="datetimeFigureOut">
               <a:rPr lang="zh-CN" altLang="en-US" smtClean="0"/>
-              <a:t>2018/10/6</a:t>
+              <a:t>2018/10/7</a:t>
             </a:fld>
             <a:endParaRPr lang="zh-CN" altLang="en-US"/>
           </a:p>
@@ -3230,7 +3230,7 @@
           <a:p>
             <a:fld id="{6545C1DB-9692-4D89-9440-F5C2B3A618B9}" type="datetimeFigureOut">
               <a:rPr lang="zh-CN" altLang="en-US" smtClean="0"/>
-              <a:t>2018/10/6</a:t>
+              <a:t>2018/10/7</a:t>
             </a:fld>
             <a:endParaRPr lang="zh-CN" altLang="en-US"/>
           </a:p>
@@ -3471,7 +3471,7 @@
           <a:p>
             <a:fld id="{6545C1DB-9692-4D89-9440-F5C2B3A618B9}" type="datetimeFigureOut">
               <a:rPr lang="zh-CN" altLang="en-US" smtClean="0"/>
-              <a:t>2018/10/6</a:t>
+              <a:t>2018/10/7</a:t>
             </a:fld>
             <a:endParaRPr lang="zh-CN" altLang="en-US"/>
           </a:p>

--- a/论文笔记-吴显政（笔记本）.pptx
+++ b/论文笔记-吴显政（笔记本）.pptx
@@ -239,7 +239,7 @@
           <a:p>
             <a:fld id="{186E5BEA-5DC8-4045-A1F4-ECFA959A3378}" type="datetimeFigureOut">
               <a:rPr lang="zh-CN" altLang="en-US" smtClean="0"/>
-              <a:t>2018/10/7</a:t>
+              <a:t>2018/10/13</a:t>
             </a:fld>
             <a:endParaRPr lang="zh-CN" altLang="en-US"/>
           </a:p>
@@ -821,7 +821,7 @@
           <a:p>
             <a:fld id="{6545C1DB-9692-4D89-9440-F5C2B3A618B9}" type="datetimeFigureOut">
               <a:rPr lang="zh-CN" altLang="en-US" smtClean="0"/>
-              <a:t>2018/10/7</a:t>
+              <a:t>2018/10/13</a:t>
             </a:fld>
             <a:endParaRPr lang="zh-CN" altLang="en-US"/>
           </a:p>
@@ -1019,7 +1019,7 @@
           <a:p>
             <a:fld id="{6545C1DB-9692-4D89-9440-F5C2B3A618B9}" type="datetimeFigureOut">
               <a:rPr lang="zh-CN" altLang="en-US" smtClean="0"/>
-              <a:t>2018/10/7</a:t>
+              <a:t>2018/10/13</a:t>
             </a:fld>
             <a:endParaRPr lang="zh-CN" altLang="en-US"/>
           </a:p>
@@ -1227,7 +1227,7 @@
           <a:p>
             <a:fld id="{6545C1DB-9692-4D89-9440-F5C2B3A618B9}" type="datetimeFigureOut">
               <a:rPr lang="zh-CN" altLang="en-US" smtClean="0"/>
-              <a:t>2018/10/7</a:t>
+              <a:t>2018/10/13</a:t>
             </a:fld>
             <a:endParaRPr lang="zh-CN" altLang="en-US"/>
           </a:p>
@@ -1425,7 +1425,7 @@
           <a:p>
             <a:fld id="{6545C1DB-9692-4D89-9440-F5C2B3A618B9}" type="datetimeFigureOut">
               <a:rPr lang="zh-CN" altLang="en-US" smtClean="0"/>
-              <a:t>2018/10/7</a:t>
+              <a:t>2018/10/13</a:t>
             </a:fld>
             <a:endParaRPr lang="zh-CN" altLang="en-US"/>
           </a:p>
@@ -1700,7 +1700,7 @@
           <a:p>
             <a:fld id="{6545C1DB-9692-4D89-9440-F5C2B3A618B9}" type="datetimeFigureOut">
               <a:rPr lang="zh-CN" altLang="en-US" smtClean="0"/>
-              <a:t>2018/10/7</a:t>
+              <a:t>2018/10/13</a:t>
             </a:fld>
             <a:endParaRPr lang="zh-CN" altLang="en-US"/>
           </a:p>
@@ -1965,7 +1965,7 @@
           <a:p>
             <a:fld id="{6545C1DB-9692-4D89-9440-F5C2B3A618B9}" type="datetimeFigureOut">
               <a:rPr lang="zh-CN" altLang="en-US" smtClean="0"/>
-              <a:t>2018/10/7</a:t>
+              <a:t>2018/10/13</a:t>
             </a:fld>
             <a:endParaRPr lang="zh-CN" altLang="en-US"/>
           </a:p>
@@ -2377,7 +2377,7 @@
           <a:p>
             <a:fld id="{6545C1DB-9692-4D89-9440-F5C2B3A618B9}" type="datetimeFigureOut">
               <a:rPr lang="zh-CN" altLang="en-US" smtClean="0"/>
-              <a:t>2018/10/7</a:t>
+              <a:t>2018/10/13</a:t>
             </a:fld>
             <a:endParaRPr lang="zh-CN" altLang="en-US"/>
           </a:p>
@@ -2518,7 +2518,7 @@
           <a:p>
             <a:fld id="{6545C1DB-9692-4D89-9440-F5C2B3A618B9}" type="datetimeFigureOut">
               <a:rPr lang="zh-CN" altLang="en-US" smtClean="0"/>
-              <a:t>2018/10/7</a:t>
+              <a:t>2018/10/13</a:t>
             </a:fld>
             <a:endParaRPr lang="zh-CN" altLang="en-US"/>
           </a:p>
@@ -2631,7 +2631,7 @@
           <a:p>
             <a:fld id="{6545C1DB-9692-4D89-9440-F5C2B3A618B9}" type="datetimeFigureOut">
               <a:rPr lang="zh-CN" altLang="en-US" smtClean="0"/>
-              <a:t>2018/10/7</a:t>
+              <a:t>2018/10/13</a:t>
             </a:fld>
             <a:endParaRPr lang="zh-CN" altLang="en-US"/>
           </a:p>
@@ -2942,7 +2942,7 @@
           <a:p>
             <a:fld id="{6545C1DB-9692-4D89-9440-F5C2B3A618B9}" type="datetimeFigureOut">
               <a:rPr lang="zh-CN" altLang="en-US" smtClean="0"/>
-              <a:t>2018/10/7</a:t>
+              <a:t>2018/10/13</a:t>
             </a:fld>
             <a:endParaRPr lang="zh-CN" altLang="en-US"/>
           </a:p>
@@ -3230,7 +3230,7 @@
           <a:p>
             <a:fld id="{6545C1DB-9692-4D89-9440-F5C2B3A618B9}" type="datetimeFigureOut">
               <a:rPr lang="zh-CN" altLang="en-US" smtClean="0"/>
-              <a:t>2018/10/7</a:t>
+              <a:t>2018/10/13</a:t>
             </a:fld>
             <a:endParaRPr lang="zh-CN" altLang="en-US"/>
           </a:p>
@@ -3471,7 +3471,7 @@
           <a:p>
             <a:fld id="{6545C1DB-9692-4D89-9440-F5C2B3A618B9}" type="datetimeFigureOut">
               <a:rPr lang="zh-CN" altLang="en-US" smtClean="0"/>
-              <a:t>2018/10/7</a:t>
+              <a:t>2018/10/13</a:t>
             </a:fld>
             <a:endParaRPr lang="zh-CN" altLang="en-US"/>
           </a:p>

--- a/论文笔记-吴显政（笔记本）.pptx
+++ b/论文笔记-吴显政（笔记本）.pptx
@@ -239,7 +239,7 @@
           <a:p>
             <a:fld id="{186E5BEA-5DC8-4045-A1F4-ECFA959A3378}" type="datetimeFigureOut">
               <a:rPr lang="zh-CN" altLang="en-US" smtClean="0"/>
-              <a:t>2018/10/13</a:t>
+              <a:t>2018/10/14</a:t>
             </a:fld>
             <a:endParaRPr lang="zh-CN" altLang="en-US"/>
           </a:p>
@@ -821,7 +821,7 @@
           <a:p>
             <a:fld id="{6545C1DB-9692-4D89-9440-F5C2B3A618B9}" type="datetimeFigureOut">
               <a:rPr lang="zh-CN" altLang="en-US" smtClean="0"/>
-              <a:t>2018/10/13</a:t>
+              <a:t>2018/10/14</a:t>
             </a:fld>
             <a:endParaRPr lang="zh-CN" altLang="en-US"/>
           </a:p>
@@ -1019,7 +1019,7 @@
           <a:p>
             <a:fld id="{6545C1DB-9692-4D89-9440-F5C2B3A618B9}" type="datetimeFigureOut">
               <a:rPr lang="zh-CN" altLang="en-US" smtClean="0"/>
-              <a:t>2018/10/13</a:t>
+              <a:t>2018/10/14</a:t>
             </a:fld>
             <a:endParaRPr lang="zh-CN" altLang="en-US"/>
           </a:p>
@@ -1227,7 +1227,7 @@
           <a:p>
             <a:fld id="{6545C1DB-9692-4D89-9440-F5C2B3A618B9}" type="datetimeFigureOut">
               <a:rPr lang="zh-CN" altLang="en-US" smtClean="0"/>
-              <a:t>2018/10/13</a:t>
+              <a:t>2018/10/14</a:t>
             </a:fld>
             <a:endParaRPr lang="zh-CN" altLang="en-US"/>
           </a:p>
@@ -1425,7 +1425,7 @@
           <a:p>
             <a:fld id="{6545C1DB-9692-4D89-9440-F5C2B3A618B9}" type="datetimeFigureOut">
               <a:rPr lang="zh-CN" altLang="en-US" smtClean="0"/>
-              <a:t>2018/10/13</a:t>
+              <a:t>2018/10/14</a:t>
             </a:fld>
             <a:endParaRPr lang="zh-CN" altLang="en-US"/>
           </a:p>
@@ -1700,7 +1700,7 @@
           <a:p>
             <a:fld id="{6545C1DB-9692-4D89-9440-F5C2B3A618B9}" type="datetimeFigureOut">
               <a:rPr lang="zh-CN" altLang="en-US" smtClean="0"/>
-              <a:t>2018/10/13</a:t>
+              <a:t>2018/10/14</a:t>
             </a:fld>
             <a:endParaRPr lang="zh-CN" altLang="en-US"/>
           </a:p>
@@ -1965,7 +1965,7 @@
           <a:p>
             <a:fld id="{6545C1DB-9692-4D89-9440-F5C2B3A618B9}" type="datetimeFigureOut">
               <a:rPr lang="zh-CN" altLang="en-US" smtClean="0"/>
-              <a:t>2018/10/13</a:t>
+              <a:t>2018/10/14</a:t>
             </a:fld>
             <a:endParaRPr lang="zh-CN" altLang="en-US"/>
           </a:p>
@@ -2377,7 +2377,7 @@
           <a:p>
             <a:fld id="{6545C1DB-9692-4D89-9440-F5C2B3A618B9}" type="datetimeFigureOut">
               <a:rPr lang="zh-CN" altLang="en-US" smtClean="0"/>
-              <a:t>2018/10/13</a:t>
+              <a:t>2018/10/14</a:t>
             </a:fld>
             <a:endParaRPr lang="zh-CN" altLang="en-US"/>
           </a:p>
@@ -2518,7 +2518,7 @@
           <a:p>
             <a:fld id="{6545C1DB-9692-4D89-9440-F5C2B3A618B9}" type="datetimeFigureOut">
               <a:rPr lang="zh-CN" altLang="en-US" smtClean="0"/>
-              <a:t>2018/10/13</a:t>
+              <a:t>2018/10/14</a:t>
             </a:fld>
             <a:endParaRPr lang="zh-CN" altLang="en-US"/>
           </a:p>
@@ -2631,7 +2631,7 @@
           <a:p>
             <a:fld id="{6545C1DB-9692-4D89-9440-F5C2B3A618B9}" type="datetimeFigureOut">
               <a:rPr lang="zh-CN" altLang="en-US" smtClean="0"/>
-              <a:t>2018/10/13</a:t>
+              <a:t>2018/10/14</a:t>
             </a:fld>
             <a:endParaRPr lang="zh-CN" altLang="en-US"/>
           </a:p>
@@ -2942,7 +2942,7 @@
           <a:p>
             <a:fld id="{6545C1DB-9692-4D89-9440-F5C2B3A618B9}" type="datetimeFigureOut">
               <a:rPr lang="zh-CN" altLang="en-US" smtClean="0"/>
-              <a:t>2018/10/13</a:t>
+              <a:t>2018/10/14</a:t>
             </a:fld>
             <a:endParaRPr lang="zh-CN" altLang="en-US"/>
           </a:p>
@@ -3230,7 +3230,7 @@
           <a:p>
             <a:fld id="{6545C1DB-9692-4D89-9440-F5C2B3A618B9}" type="datetimeFigureOut">
               <a:rPr lang="zh-CN" altLang="en-US" smtClean="0"/>
-              <a:t>2018/10/13</a:t>
+              <a:t>2018/10/14</a:t>
             </a:fld>
             <a:endParaRPr lang="zh-CN" altLang="en-US"/>
           </a:p>
@@ -3471,7 +3471,7 @@
           <a:p>
             <a:fld id="{6545C1DB-9692-4D89-9440-F5C2B3A618B9}" type="datetimeFigureOut">
               <a:rPr lang="zh-CN" altLang="en-US" smtClean="0"/>
-              <a:t>2018/10/13</a:t>
+              <a:t>2018/10/14</a:t>
             </a:fld>
             <a:endParaRPr lang="zh-CN" altLang="en-US"/>
           </a:p>
